--- a/spring13/slides13/connected.pptx
+++ b/spring13/slides13/connected.pptx
@@ -4595,7 +4595,7 @@
           <a:graphicData uri="http://schemas.openxmlformats.org/presentationml/2006/ole">
             <mc:AlternateContent xmlns:mc="http://schemas.openxmlformats.org/markup-compatibility/2006">
               <mc:Choice xmlns:v="urn:schemas-microsoft-com:vml" Requires="v">
-                <p:oleObj spid="_x0000_s417821" name="Equation" r:id="rId4" imgW="990600" imgH="292100" progId="Equation.DSMT4">
+                <p:oleObj spid="_x0000_s417824" name="Equation" r:id="rId4" imgW="990600" imgH="292100" progId="Equation.DSMT4">
                   <p:embed/>
                 </p:oleObj>
               </mc:Choice>
@@ -5192,7 +5192,7 @@
           <a:graphicData uri="http://schemas.openxmlformats.org/presentationml/2006/ole">
             <mc:AlternateContent xmlns:mc="http://schemas.openxmlformats.org/markup-compatibility/2006">
               <mc:Choice xmlns:v="urn:schemas-microsoft-com:vml" Requires="v">
-                <p:oleObj spid="_x0000_s419845" name="Equation" r:id="rId3" imgW="939800" imgH="469900" progId="Equation.DSMT4">
+                <p:oleObj spid="_x0000_s419848" name="Equation" r:id="rId3" imgW="939800" imgH="469900" progId="Equation.DSMT4">
                   <p:embed/>
                 </p:oleObj>
               </mc:Choice>
@@ -5420,6 +5420,18 @@
   <p:clrMapOvr>
     <a:masterClrMapping/>
   </p:clrMapOvr>
+  <mc:AlternateContent xmlns:mc="http://schemas.openxmlformats.org/markup-compatibility/2006">
+    <mc:Choice xmlns:p14="http://schemas.microsoft.com/office/powerpoint/2010/main" Requires="p14">
+      <p:transition spd="med" p14:dur="700">
+        <p:fade/>
+      </p:transition>
+    </mc:Choice>
+    <mc:Fallback>
+      <p:transition xmlns:p14="http://schemas.microsoft.com/office/powerpoint/2010/main" spd="med">
+        <p:fade/>
+      </p:transition>
+    </mc:Fallback>
+  </mc:AlternateContent>
   <p:timing>
     <p:tnLst>
       <p:par>
@@ -5627,7 +5639,7 @@
           <a:graphicData uri="http://schemas.openxmlformats.org/presentationml/2006/ole">
             <mc:AlternateContent xmlns:mc="http://schemas.openxmlformats.org/markup-compatibility/2006">
               <mc:Choice xmlns:v="urn:schemas-microsoft-com:vml" Requires="v">
-                <p:oleObj spid="_x0000_s421891" name="Equation" r:id="rId3" imgW="939800" imgH="469900" progId="Equation.DSMT4">
+                <p:oleObj spid="_x0000_s421894" name="Equation" r:id="rId3" imgW="939800" imgH="469900" progId="Equation.DSMT4">
                   <p:embed/>
                 </p:oleObj>
               </mc:Choice>
@@ -5701,14 +5713,18 @@
             <a:r>
               <a:rPr lang="en-US" sz="4800" baseline="30000" dirty="0">
                 <a:solidFill>
-                  <a:srgbClr val="0000FF"/>
+                  <a:srgbClr val="FF00FF"/>
                 </a:solidFill>
                 <a:latin typeface="Euclid Symbol" charset="2"/>
                 <a:cs typeface="Euclid Symbol" charset="2"/>
               </a:rPr>
               <a:t>≤</a:t>
             </a:r>
-            <a:endParaRPr lang="en-US" sz="4800" dirty="0"/>
+            <a:endParaRPr lang="en-US" sz="4800" dirty="0">
+              <a:solidFill>
+                <a:srgbClr val="FF00FF"/>
+              </a:solidFill>
+            </a:endParaRPr>
           </a:p>
         </p:txBody>
       </p:sp>
@@ -5943,11 +5959,7 @@
             </a:r>
             <a:r>
               <a:rPr lang="en-US" sz="4800" dirty="0" smtClean="0"/>
-              <a:t>ust </a:t>
-            </a:r>
-            <a:r>
-              <a:rPr lang="en-US" sz="4800" dirty="0" smtClean="0"/>
-              <a:t>keep looping </a:t>
+              <a:t>ust keep looping </a:t>
             </a:r>
             <a:r>
               <a:rPr lang="en-US" sz="4800" dirty="0" smtClean="0">
@@ -5965,39 +5977,27 @@
           <a:p>
             <a:r>
               <a:rPr lang="en-US" sz="4800" dirty="0" smtClean="0"/>
-              <a:t>make </a:t>
+              <a:t>make a length </a:t>
+            </a:r>
+            <a:r>
+              <a:rPr lang="en-US" sz="4800" dirty="0">
+                <a:solidFill>
+                  <a:srgbClr val="0000E5"/>
+                </a:solidFill>
+              </a:rPr>
+              <a:t>5</a:t>
+            </a:r>
+            <a:r>
+              <a:rPr lang="en-US" sz="4800" dirty="0" smtClean="0">
+                <a:solidFill>
+                  <a:srgbClr val="0000E5"/>
+                </a:solidFill>
+              </a:rPr>
+              <a:t>+k</a:t>
             </a:r>
             <a:r>
               <a:rPr lang="en-US" sz="4800" dirty="0" smtClean="0"/>
-              <a:t>a </a:t>
-            </a:r>
-            <a:r>
-              <a:rPr lang="en-US" sz="4800" dirty="0" smtClean="0"/>
-              <a:t>length </a:t>
-            </a:r>
-            <a:r>
-              <a:rPr lang="en-US" sz="4800" dirty="0">
-                <a:solidFill>
-                  <a:srgbClr val="0000E5"/>
-                </a:solidFill>
-              </a:rPr>
-              <a:t>5</a:t>
-            </a:r>
-            <a:r>
-              <a:rPr lang="en-US" sz="4800" dirty="0" smtClean="0">
-                <a:solidFill>
-                  <a:srgbClr val="0000E5"/>
-                </a:solidFill>
-              </a:rPr>
-              <a:t>+k</a:t>
-            </a:r>
-            <a:r>
-              <a:rPr lang="en-US" sz="4800" dirty="0" smtClean="0"/>
-              <a:t> </a:t>
-            </a:r>
-            <a:r>
-              <a:rPr lang="en-US" sz="4800" dirty="0" smtClean="0"/>
-              <a:t>walk in </a:t>
+              <a:t> walk in </a:t>
             </a:r>
             <a:r>
               <a:rPr lang="en-US" sz="4800" dirty="0">
@@ -6031,6 +6031,18 @@
   <p:clrMapOvr>
     <a:masterClrMapping/>
   </p:clrMapOvr>
+  <mc:AlternateContent xmlns:mc="http://schemas.openxmlformats.org/markup-compatibility/2006">
+    <mc:Choice xmlns:p14="http://schemas.microsoft.com/office/powerpoint/2010/main" Requires="p14">
+      <p:transition spd="med" p14:dur="700">
+        <p:fade/>
+      </p:transition>
+    </mc:Choice>
+    <mc:Fallback>
+      <p:transition xmlns:p14="http://schemas.microsoft.com/office/powerpoint/2010/main" spd="med">
+        <p:fade/>
+      </p:transition>
+    </mc:Fallback>
+  </mc:AlternateContent>
   <p:timing>
     <p:tnLst>
       <p:par>
@@ -6043,6 +6055,9 @@
                     <p:cTn id="3" fill="hold">
                       <p:stCondLst>
                         <p:cond delay="indefinite"/>
+                        <p:cond evt="onBegin" delay="0">
+                          <p:tn val="2"/>
+                        </p:cond>
                       </p:stCondLst>
                       <p:childTnLst>
                         <p:par>
@@ -6052,7 +6067,7 @@
                             </p:stCondLst>
                             <p:childTnLst>
                               <p:par>
-                                <p:cTn id="5" presetID="22" presetClass="entr" presetSubtype="8" fill="hold" nodeType="clickEffect">
+                                <p:cTn id="5" presetID="22" presetClass="entr" presetSubtype="8" fill="hold" nodeType="afterEffect">
                                   <p:stCondLst>
                                     <p:cond delay="0"/>
                                   </p:stCondLst>
@@ -6344,7 +6359,7 @@
         <p:spPr>
           <a:xfrm>
             <a:off x="533400" y="1143000"/>
-            <a:ext cx="7828557" cy="2111347"/>
+            <a:ext cx="7453154" cy="2111347"/>
           </a:xfrm>
           <a:prstGeom prst="rect">
             <a:avLst/>
@@ -6415,7 +6430,7 @@
             </a:r>
             <a:r>
               <a:rPr lang="en-US" sz="4800" dirty="0" smtClean="0"/>
-              <a:t>and</a:t>
+              <a:t>so</a:t>
             </a:r>
             <a:endParaRPr lang="en-US" sz="4800" dirty="0"/>
           </a:p>
@@ -6443,7 +6458,7 @@
           <a:graphicData uri="http://schemas.openxmlformats.org/presentationml/2006/ole">
             <mc:AlternateContent xmlns:mc="http://schemas.openxmlformats.org/markup-compatibility/2006">
               <mc:Choice xmlns:v="urn:schemas-microsoft-com:vml" Requires="v">
-                <p:oleObj spid="_x0000_s418844" name="Equation" r:id="rId4" imgW="825500" imgH="393700" progId="Equation.DSMT4">
+                <p:oleObj spid="_x0000_s418847" name="Equation" r:id="rId4" imgW="825500" imgH="393700" progId="Equation.DSMT4">
                   <p:embed/>
                 </p:oleObj>
               </mc:Choice>
@@ -6502,15 +6517,7 @@
           <a:p>
             <a:r>
               <a:rPr lang="en-US" sz="4800" dirty="0" smtClean="0"/>
-              <a:t>So</a:t>
-            </a:r>
-            <a:r>
-              <a:rPr lang="en-US" sz="4800" dirty="0" smtClean="0"/>
-              <a:t> </a:t>
-            </a:r>
-            <a:r>
-              <a:rPr lang="en-US" sz="4800" dirty="0" smtClean="0"/>
-              <a:t>find </a:t>
+              <a:t>So find </a:t>
             </a:r>
             <a:r>
               <a:rPr lang="en-US" sz="4800" dirty="0" smtClean="0">
@@ -10616,7 +10623,7 @@
           <a:graphicData uri="http://schemas.openxmlformats.org/presentationml/2006/ole">
             <mc:AlternateContent xmlns:mc="http://schemas.openxmlformats.org/markup-compatibility/2006">
               <mc:Choice xmlns:v="urn:schemas-microsoft-com:vml" Requires="v">
-                <p:oleObj spid="_x0000_s1050" name="Equation" r:id="rId4" imgW="520700" imgH="508000" progId="Equation.DSMT4">
+                <p:oleObj spid="_x0000_s1053" name="Equation" r:id="rId4" imgW="520700" imgH="508000" progId="Equation.DSMT4">
                   <p:embed/>
                 </p:oleObj>
               </mc:Choice>
@@ -11139,15 +11146,7 @@
                   <a:srgbClr val="0000FF"/>
                 </a:solidFill>
               </a:rPr>
-              <a:t>)</a:t>
-            </a:r>
-            <a:r>
-              <a:rPr lang="en-US" sz="4800" dirty="0" smtClean="0">
-                <a:solidFill>
-                  <a:srgbClr val="0000FF"/>
-                </a:solidFill>
-              </a:rPr>
-              <a:t>y </a:t>
+              <a:t>)y </a:t>
             </a:r>
             <a:r>
               <a:rPr lang="en-US" sz="4800" dirty="0" smtClean="0"/>
@@ -11329,13 +11328,6 @@
               </a:rPr>
               <a:t> y</a:t>
             </a:r>
-            <a:endParaRPr lang="en-US" sz="4800" dirty="0" smtClean="0">
-              <a:solidFill>
-                <a:schemeClr val="accent1">
-                  <a:lumMod val="50000"/>
-                </a:schemeClr>
-              </a:solidFill>
-            </a:endParaRPr>
           </a:p>
           <a:p>
             <a:r>
@@ -11491,6 +11483,18 @@
   <p:clrMapOvr>
     <a:masterClrMapping/>
   </p:clrMapOvr>
+  <mc:AlternateContent xmlns:mc="http://schemas.openxmlformats.org/markup-compatibility/2006">
+    <mc:Choice xmlns:p14="http://schemas.microsoft.com/office/powerpoint/2010/main" Requires="p14">
+      <p:transition spd="med" p14:dur="700" advClick="0">
+        <p:fade/>
+      </p:transition>
+    </mc:Choice>
+    <mc:Fallback>
+      <p:transition xmlns:p14="http://schemas.microsoft.com/office/powerpoint/2010/main" spd="med" advClick="0">
+        <p:fade/>
+      </p:transition>
+    </mc:Fallback>
+  </mc:AlternateContent>
   <p:timing>
     <p:tnLst>
       <p:par>
@@ -12626,11 +12630,7 @@
             </a:r>
             <a:r>
               <a:rPr lang="en-US" sz="4400" dirty="0" smtClean="0"/>
-              <a:t> </a:t>
-            </a:r>
-            <a:r>
-              <a:rPr lang="en-US" sz="4400" dirty="0" smtClean="0"/>
-              <a:t>matrix</a:t>
+              <a:t> matrix</a:t>
             </a:r>
           </a:p>
           <a:p>
@@ -12641,11 +12641,7 @@
             </a:pPr>
             <a:r>
               <a:rPr lang="en-US" sz="4400" dirty="0" smtClean="0"/>
-              <a:t>product</a:t>
-            </a:r>
-            <a:r>
-              <a:rPr lang="en-US" sz="4400" dirty="0" smtClean="0"/>
-              <a:t>—using </a:t>
+              <a:t>product—using </a:t>
             </a:r>
             <a:r>
               <a:rPr lang="en-US" sz="3600" dirty="0" smtClean="0">
@@ -12709,7 +12705,7 @@
           <a:graphicData uri="http://schemas.openxmlformats.org/presentationml/2006/ole">
             <mc:AlternateContent xmlns:mc="http://schemas.openxmlformats.org/markup-compatibility/2006">
               <mc:Choice xmlns:v="urn:schemas-microsoft-com:vml" Requires="v">
-                <p:oleObj spid="_x0000_s413754" name="Equation" r:id="rId4" imgW="1066800" imgH="292100" progId="Equation.DSMT4">
+                <p:oleObj spid="_x0000_s413759" name="Equation" r:id="rId4" imgW="1066800" imgH="292100" progId="Equation.DSMT4">
                   <p:embed/>
                 </p:oleObj>
               </mc:Choice>
@@ -12766,7 +12762,7 @@
           <a:graphicData uri="http://schemas.openxmlformats.org/presentationml/2006/ole">
             <mc:AlternateContent xmlns:mc="http://schemas.openxmlformats.org/markup-compatibility/2006">
               <mc:Choice xmlns:v="urn:schemas-microsoft-com:vml" Requires="v">
-                <p:oleObj spid="_x0000_s413755" name="Equation" r:id="rId6" imgW="165100" imgH="165100" progId="Equation.DSMT4">
+                <p:oleObj spid="_x0000_s413760" name="Equation" r:id="rId6" imgW="165100" imgH="165100" progId="Equation.DSMT4">
                   <p:embed/>
                 </p:oleObj>
               </mc:Choice>
@@ -13043,33 +13039,59 @@
                                   </p:childTnLst>
                                 </p:cTn>
                               </p:par>
-                            </p:childTnLst>
-                          </p:cTn>
-                        </p:par>
-                      </p:childTnLst>
-                    </p:cTn>
-                  </p:par>
-                  <p:par>
-                    <p:cTn id="22" fill="hold">
-                      <p:stCondLst>
-                        <p:cond delay="indefinite"/>
-                      </p:stCondLst>
-                      <p:childTnLst>
-                        <p:par>
-                          <p:cTn id="23" fill="hold">
-                            <p:stCondLst>
-                              <p:cond delay="0"/>
-                            </p:stCondLst>
-                            <p:childTnLst>
                               <p:par>
-                                <p:cTn id="24" presetID="10" presetClass="entr" presetSubtype="0" fill="hold" grpId="0" nodeType="clickEffect">
+                                <p:cTn id="22" presetID="10" presetClass="entr" presetSubtype="0" fill="hold" nodeType="withEffect">
                                   <p:stCondLst>
                                     <p:cond delay="0"/>
                                   </p:stCondLst>
                                   <p:childTnLst>
                                     <p:set>
                                       <p:cBhvr>
-                                        <p:cTn id="25" dur="1" fill="hold">
+                                        <p:cTn id="23" dur="1" fill="hold">
+                                          <p:stCondLst>
+                                            <p:cond delay="0"/>
+                                          </p:stCondLst>
+                                        </p:cTn>
+                                        <p:tgtEl>
+                                          <p:spTgt spid="2"/>
+                                        </p:tgtEl>
+                                        <p:attrNameLst>
+                                          <p:attrName>style.visibility</p:attrName>
+                                        </p:attrNameLst>
+                                      </p:cBhvr>
+                                      <p:to>
+                                        <p:strVal val="visible"/>
+                                      </p:to>
+                                    </p:set>
+                                    <p:animEffect transition="in" filter="fade">
+                                      <p:cBhvr>
+                                        <p:cTn id="24" dur="500"/>
+                                        <p:tgtEl>
+                                          <p:spTgt spid="2"/>
+                                        </p:tgtEl>
+                                      </p:cBhvr>
+                                    </p:animEffect>
+                                  </p:childTnLst>
+                                </p:cTn>
+                              </p:par>
+                            </p:childTnLst>
+                          </p:cTn>
+                        </p:par>
+                        <p:par>
+                          <p:cTn id="25" fill="hold">
+                            <p:stCondLst>
+                              <p:cond delay="500"/>
+                            </p:stCondLst>
+                            <p:childTnLst>
+                              <p:par>
+                                <p:cTn id="26" presetID="10" presetClass="entr" presetSubtype="0" fill="hold" grpId="0" nodeType="afterEffect">
+                                  <p:stCondLst>
+                                    <p:cond delay="0"/>
+                                  </p:stCondLst>
+                                  <p:childTnLst>
+                                    <p:set>
+                                      <p:cBhvr>
+                                        <p:cTn id="27" dur="1" fill="hold">
                                           <p:stCondLst>
                                             <p:cond delay="0"/>
                                           </p:stCondLst>
@@ -13091,48 +13113,13 @@
                                     </p:set>
                                     <p:animEffect transition="in" filter="fade">
                                       <p:cBhvr>
-                                        <p:cTn id="26" dur="500"/>
+                                        <p:cTn id="28" dur="500"/>
                                         <p:tgtEl>
                                           <p:spTgt spid="4">
                                             <p:txEl>
                                               <p:pRg st="4" end="4"/>
                                             </p:txEl>
                                           </p:spTgt>
-                                        </p:tgtEl>
-                                      </p:cBhvr>
-                                    </p:animEffect>
-                                  </p:childTnLst>
-                                </p:cTn>
-                              </p:par>
-                              <p:par>
-                                <p:cTn id="27" presetID="10" presetClass="entr" presetSubtype="0" fill="hold" nodeType="withEffect">
-                                  <p:stCondLst>
-                                    <p:cond delay="0"/>
-                                  </p:stCondLst>
-                                  <p:childTnLst>
-                                    <p:set>
-                                      <p:cBhvr>
-                                        <p:cTn id="28" dur="1" fill="hold">
-                                          <p:stCondLst>
-                                            <p:cond delay="0"/>
-                                          </p:stCondLst>
-                                        </p:cTn>
-                                        <p:tgtEl>
-                                          <p:spTgt spid="2"/>
-                                        </p:tgtEl>
-                                        <p:attrNameLst>
-                                          <p:attrName>style.visibility</p:attrName>
-                                        </p:attrNameLst>
-                                      </p:cBhvr>
-                                      <p:to>
-                                        <p:strVal val="visible"/>
-                                      </p:to>
-                                    </p:set>
-                                    <p:animEffect transition="in" filter="fade">
-                                      <p:cBhvr>
-                                        <p:cTn id="29" dur="500"/>
-                                        <p:tgtEl>
-                                          <p:spTgt spid="2"/>
                                         </p:tgtEl>
                                       </p:cBhvr>
                                     </p:animEffect>
@@ -13364,7 +13351,7 @@
           <a:graphicData uri="http://schemas.openxmlformats.org/presentationml/2006/ole">
             <mc:AlternateContent xmlns:mc="http://schemas.openxmlformats.org/markup-compatibility/2006">
               <mc:Choice xmlns:v="urn:schemas-microsoft-com:vml" Requires="v">
-                <p:oleObj spid="_x0000_s416798" name="Equation" r:id="rId4" imgW="266700" imgH="304800" progId="Equation.DSMT4">
+                <p:oleObj spid="_x0000_s416801" name="Equation" r:id="rId4" imgW="266700" imgH="304800" progId="Equation.DSMT4">
                   <p:embed/>
                 </p:oleObj>
               </mc:Choice>
